--- a/task1.pptx
+++ b/task1.pptx
@@ -1915,7 +1915,7 @@
           </a:ln>
           <a:extLst>
             <a:ext uri="{C572A759-6A51-4108-AA02-DFA0A04FC94B}">
-              <ma14:wrappingTextBoxFlag xmlns="" xmlns:m="http://schemas.openxmlformats.org/officeDocument/2006/math" xmlns:a14="http://schemas.microsoft.com/office/drawing/2010/main" xmlns:ma14="http://schemas.microsoft.com/office/mac/drawingml/2011/main" val="1"/>
+              <ma14:wrappingTextBoxFlag xmlns:ma14="http://schemas.microsoft.com/office/mac/drawingml/2011/main" xmlns:a14="http://schemas.microsoft.com/office/drawing/2010/main" xmlns:m="http://schemas.openxmlformats.org/officeDocument/2006/math" xmlns="" val="1"/>
             </a:ext>
           </a:extLst>
         </p:spPr>
@@ -1954,7 +1954,7 @@
           </a:ln>
           <a:extLst>
             <a:ext uri="{C572A759-6A51-4108-AA02-DFA0A04FC94B}">
-              <ma14:wrappingTextBoxFlag xmlns="" xmlns:m="http://schemas.openxmlformats.org/officeDocument/2006/math" xmlns:a14="http://schemas.microsoft.com/office/drawing/2010/main" xmlns:ma14="http://schemas.microsoft.com/office/mac/drawingml/2011/main" val="1"/>
+              <ma14:wrappingTextBoxFlag xmlns:ma14="http://schemas.microsoft.com/office/mac/drawingml/2011/main" xmlns:a14="http://schemas.microsoft.com/office/drawing/2010/main" xmlns:m="http://schemas.openxmlformats.org/officeDocument/2006/math" xmlns="" val="1"/>
             </a:ext>
           </a:extLst>
         </p:spPr>
@@ -3029,7 +3029,7 @@
           </a:ln>
           <a:extLst>
             <a:ext uri="{C572A759-6A51-4108-AA02-DFA0A04FC94B}">
-              <ma14:wrappingTextBoxFlag xmlns="" xmlns:m="http://schemas.openxmlformats.org/officeDocument/2006/math" xmlns:a14="http://schemas.microsoft.com/office/drawing/2010/main" xmlns:ma14="http://schemas.microsoft.com/office/mac/drawingml/2011/main" val="1"/>
+              <ma14:wrappingTextBoxFlag xmlns:ma14="http://schemas.microsoft.com/office/mac/drawingml/2011/main" xmlns:a14="http://schemas.microsoft.com/office/drawing/2010/main" xmlns:m="http://schemas.openxmlformats.org/officeDocument/2006/math" xmlns="" val="1"/>
             </a:ext>
           </a:extLst>
         </p:spPr>
@@ -3044,7 +3044,27 @@
             </a:pPr>
             <a:r>
               <a:rPr lang="ru-RU" dirty="0"/>
-              <a:t>14.12.2020</a:t>
+              <a:t>1</a:t>
+            </a:r>
+            <a:r>
+              <a:rPr lang="en-US" dirty="0"/>
+              <a:t>9</a:t>
+            </a:r>
+            <a:r>
+              <a:rPr lang="ru-RU" dirty="0"/>
+              <a:t>.</a:t>
+            </a:r>
+            <a:r>
+              <a:rPr lang="en-US" dirty="0"/>
+              <a:t>0</a:t>
+            </a:r>
+            <a:r>
+              <a:rPr lang="ru-RU" dirty="0"/>
+              <a:t>1.202</a:t>
+            </a:r>
+            <a:r>
+              <a:rPr lang="en-US" dirty="0"/>
+              <a:t>1</a:t>
             </a:r>
             <a:endParaRPr dirty="0"/>
           </a:p>
@@ -3095,7 +3115,7 @@
           </a:ln>
           <a:extLst>
             <a:ext uri="{C572A759-6A51-4108-AA02-DFA0A04FC94B}">
-              <ma14:wrappingTextBoxFlag xmlns="" xmlns:m="http://schemas.openxmlformats.org/officeDocument/2006/math" xmlns:a14="http://schemas.microsoft.com/office/drawing/2010/main" xmlns:ma14="http://schemas.microsoft.com/office/mac/drawingml/2011/main" val="1"/>
+              <ma14:wrappingTextBoxFlag xmlns:ma14="http://schemas.microsoft.com/office/mac/drawingml/2011/main" xmlns:a14="http://schemas.microsoft.com/office/drawing/2010/main" xmlns:m="http://schemas.openxmlformats.org/officeDocument/2006/math" xmlns="" val="1"/>
             </a:ext>
           </a:extLst>
         </p:spPr>

--- a/task1.pptx
+++ b/task1.pptx
@@ -5,7 +5,7 @@
     <p:sldMasterId id="2147483648" r:id="rId1"/>
   </p:sldMasterIdLst>
   <p:notesMasterIdLst>
-    <p:notesMasterId r:id="rId18"/>
+    <p:notesMasterId r:id="rId19"/>
   </p:notesMasterIdLst>
   <p:sldIdLst>
     <p:sldId id="256" r:id="rId2"/>
@@ -23,7 +23,8 @@
     <p:sldId id="268" r:id="rId14"/>
     <p:sldId id="269" r:id="rId15"/>
     <p:sldId id="270" r:id="rId16"/>
-    <p:sldId id="275" r:id="rId17"/>
+    <p:sldId id="281" r:id="rId17"/>
+    <p:sldId id="275" r:id="rId18"/>
   </p:sldIdLst>
   <p:sldSz cx="12192000" cy="6858000"/>
   <p:notesSz cx="6858000" cy="9144000"/>
@@ -5779,6 +5780,160 @@
       </p:grpSpPr>
       <p:sp>
         <p:nvSpPr>
+          <p:cNvPr id="2" name="Заголовок 1"/>
+          <p:cNvSpPr>
+            <a:spLocks noGrp="1"/>
+          </p:cNvSpPr>
+          <p:nvPr>
+            <p:ph type="title"/>
+          </p:nvPr>
+        </p:nvSpPr>
+        <p:spPr/>
+        <p:txBody>
+          <a:bodyPr/>
+          <a:lstStyle/>
+          <a:p>
+            <a:r>
+              <a:rPr lang="ru-RU" dirty="0" smtClean="0"/>
+              <a:t>Общие синтаксические правила:</a:t>
+            </a:r>
+            <a:endParaRPr lang="ru-RU" dirty="0"/>
+          </a:p>
+        </p:txBody>
+      </p:sp>
+      <p:sp>
+        <p:nvSpPr>
+          <p:cNvPr id="3" name="Текст 2"/>
+          <p:cNvSpPr>
+            <a:spLocks noGrp="1"/>
+          </p:cNvSpPr>
+          <p:nvPr>
+            <p:ph type="body" idx="1"/>
+          </p:nvPr>
+        </p:nvSpPr>
+        <p:spPr/>
+        <p:txBody>
+          <a:bodyPr/>
+          <a:lstStyle/>
+          <a:p>
+            <a:r>
+              <a:rPr lang="ru-RU" dirty="0" smtClean="0"/>
+              <a:t>Объявление директивы: </a:t>
+            </a:r>
+            <a:r>
+              <a:rPr lang="en-US" b="1" dirty="0"/>
+              <a:t>#ID </a:t>
+            </a:r>
+            <a:r>
+              <a:rPr lang="en-US" b="1" dirty="0" err="1" smtClean="0"/>
+              <a:t>Dstring</a:t>
+            </a:r>
+            <a:endParaRPr lang="ru-RU" b="1" dirty="0" smtClean="0"/>
+          </a:p>
+          <a:p>
+            <a:r>
+              <a:rPr lang="ru-RU" dirty="0" smtClean="0"/>
+              <a:t>Определение </a:t>
+            </a:r>
+            <a:r>
+              <a:rPr lang="ru-RU" dirty="0"/>
+              <a:t>функции: </a:t>
+            </a:r>
+            <a:r>
+              <a:rPr lang="en-US" b="1" dirty="0"/>
+              <a:t>Type ID(Type){ </a:t>
+            </a:r>
+            <a:r>
+              <a:rPr lang="en-US" b="1" dirty="0" smtClean="0"/>
+              <a:t>}</a:t>
+            </a:r>
+            <a:endParaRPr lang="ru-RU" b="1" dirty="0" smtClean="0"/>
+          </a:p>
+          <a:p>
+            <a:r>
+              <a:rPr lang="ru-RU" dirty="0"/>
+              <a:t>В</a:t>
+            </a:r>
+            <a:r>
+              <a:rPr lang="ru-RU" dirty="0" smtClean="0"/>
+              <a:t>ызов </a:t>
+            </a:r>
+            <a:r>
+              <a:rPr lang="ru-RU" dirty="0"/>
+              <a:t>функции: </a:t>
+            </a:r>
+            <a:r>
+              <a:rPr lang="en-US" b="1" dirty="0"/>
+              <a:t>ID(ID); ID(String); ID(NUM</a:t>
+            </a:r>
+            <a:r>
+              <a:rPr lang="en-US" b="1" dirty="0" smtClean="0"/>
+              <a:t>);</a:t>
+            </a:r>
+            <a:endParaRPr lang="ru-RU" b="1" dirty="0" smtClean="0"/>
+          </a:p>
+          <a:p>
+            <a:r>
+              <a:rPr lang="ru-RU" dirty="0" smtClean="0"/>
+              <a:t>Возврат из функции</a:t>
+            </a:r>
+            <a:r>
+              <a:rPr lang="en-US" dirty="0" smtClean="0"/>
+              <a:t>: </a:t>
+            </a:r>
+            <a:r>
+              <a:rPr lang="en-US" b="1" dirty="0"/>
+              <a:t>return ID; return NUM; return;</a:t>
+            </a:r>
+            <a:endParaRPr lang="ru-RU" b="1" dirty="0"/>
+          </a:p>
+          <a:p>
+            <a:endParaRPr lang="ru-RU" dirty="0" smtClean="0"/>
+          </a:p>
+          <a:p>
+            <a:endParaRPr lang="ru-RU" dirty="0"/>
+          </a:p>
+          <a:p>
+            <a:endParaRPr lang="ru-RU" dirty="0" smtClean="0"/>
+          </a:p>
+          <a:p>
+            <a:endParaRPr lang="ru-RU" dirty="0"/>
+          </a:p>
+        </p:txBody>
+      </p:sp>
+    </p:spTree>
+    <p:extLst>
+      <p:ext uri="{BB962C8B-B14F-4D97-AF65-F5344CB8AC3E}">
+        <p14:creationId xmlns:p14="http://schemas.microsoft.com/office/powerpoint/2010/main" val="2911709460"/>
+      </p:ext>
+    </p:extLst>
+  </p:cSld>
+  <p:clrMapOvr>
+    <a:masterClrMapping/>
+  </p:clrMapOvr>
+  <p:transition spd="med"/>
+</p:sld>
+</file>
+
+<file path=ppt/slides/slide17.xml><?xml version="1.0" encoding="utf-8"?>
+<p:sld xmlns:a="http://schemas.openxmlformats.org/drawingml/2006/main" xmlns:r="http://schemas.openxmlformats.org/officeDocument/2006/relationships" xmlns:p="http://schemas.openxmlformats.org/presentationml/2006/main">
+  <p:cSld>
+    <p:spTree>
+      <p:nvGrpSpPr>
+        <p:cNvPr id="1" name=""/>
+        <p:cNvGrpSpPr/>
+        <p:nvPr/>
+      </p:nvGrpSpPr>
+      <p:grpSpPr>
+        <a:xfrm>
+          <a:off x="0" y="0"/>
+          <a:ext cx="0" cy="0"/>
+          <a:chOff x="0" y="0"/>
+          <a:chExt cx="0" cy="0"/>
+        </a:xfrm>
+      </p:grpSpPr>
+      <p:sp>
+        <p:nvSpPr>
           <p:cNvPr id="2" name="Заголовок 1">
             <a:extLst>
               <a:ext uri="{FF2B5EF4-FFF2-40B4-BE49-F238E27FC236}">
@@ -5833,7 +5988,11 @@
             </a:pPr>
             <a:r>
               <a:rPr lang="ru-RU" dirty="0"/>
-              <a:t>Построив синтаксическое дерево, транслятору становится доступна возможность определения синтаксических ошибок в коде программы, опираясь на общие правила: синтаксис объявления функций и директив, объявления переменной, вызов операции возврата и др.</a:t>
+              <a:t>Построив синтаксическое дерево, транслятору становится доступна возможность определения синтаксических ошибок в коде программы, опираясь на общие правила: синтаксис объявления функций и директив, объявления переменной, вызов операции возврата и др</a:t>
+            </a:r>
+            <a:r>
+              <a:rPr lang="ru-RU" dirty="0" smtClean="0"/>
+              <a:t>. На следующем этапе трансляции (семантического анализа) при помощи дерева исходный код будет преобразован в машинный.</a:t>
             </a:r>
           </a:p>
         </p:txBody>
@@ -5921,7 +6080,7 @@
           </a:bodyPr>
           <a:lstStyle/>
           <a:p>
-            <a:pPr marL="0" indent="0">
+            <a:pPr marL="0" indent="0" algn="just">
               <a:buNone/>
             </a:pPr>
             <a:r>
